--- a/winter_conference_nirma/Pogrebnoy D A - presentation.pptx
+++ b/winter_conference_nirma/Pogrebnoy D A - presentation.pptx
@@ -222,7 +222,7 @@
             <a:fld id="{19412975-4CFD-C441-A244-B7FD9A9579C2}" type="datetimeFigureOut">
               <a:rPr lang="en-US" smtClean="0"/>
               <a:pPr/>
-              <a:t>2/2/2022</a:t>
+              <a:t>4/6/2022</a:t>
             </a:fld>
             <a:endParaRPr lang="en-US"/>
           </a:p>
@@ -390,7 +390,7 @@
             <a:fld id="{6DAFD1C8-470D-774F-8B40-381C3059BD4A}" type="datetimeFigureOut">
               <a:rPr lang="en-US" smtClean="0"/>
               <a:pPr/>
-              <a:t>2/2/2022</a:t>
+              <a:t>4/6/2022</a:t>
             </a:fld>
             <a:endParaRPr lang="en-US"/>
           </a:p>
@@ -6146,16 +6146,7 @@
                 </a:solidFill>
                 <a:latin typeface="Montserrat" panose="00000500000000000000" pitchFamily="2" charset="-52"/>
               </a:rPr>
-              <a:t> </a:t>
-            </a:r>
-            <a:r>
-              <a:rPr lang="en-US" sz="1600" dirty="0" smtClean="0">
-                <a:solidFill>
-                  <a:srgbClr val="303030"/>
-                </a:solidFill>
-                <a:latin typeface="Montserrat" panose="00000500000000000000" pitchFamily="2" charset="-52"/>
-              </a:rPr>
-              <a:t>–</a:t>
+              <a:t> –</a:t>
             </a:r>
             <a:r>
               <a:rPr lang="ru-RU" sz="1600" dirty="0" smtClean="0">
@@ -6166,12 +6157,6 @@
               </a:rPr>
               <a:t> отношение количества корректно исправленных слов к общему количеству некорректных слов</a:t>
             </a:r>
-            <a:endParaRPr lang="ru-RU" sz="1600" dirty="0" smtClean="0">
-              <a:solidFill>
-                <a:srgbClr val="303030"/>
-              </a:solidFill>
-              <a:latin typeface="Montserrat" panose="00000500000000000000" pitchFamily="2" charset="-52"/>
-            </a:endParaRPr>
           </a:p>
           <a:p>
             <a:pPr>
@@ -6206,12 +6191,6 @@
               </a:rPr>
               <a:t>error precision</a:t>
             </a:r>
-            <a:endParaRPr lang="en-US" sz="1600" dirty="0" smtClean="0">
-              <a:solidFill>
-                <a:srgbClr val="303030"/>
-              </a:solidFill>
-              <a:latin typeface="Montserrat" panose="00000500000000000000" pitchFamily="2" charset="-52"/>
-            </a:endParaRPr>
           </a:p>
           <a:p>
             <a:pPr>
@@ -6235,16 +6214,7 @@
                 </a:solidFill>
                 <a:latin typeface="Montserrat" panose="00000500000000000000" pitchFamily="2" charset="-52"/>
               </a:rPr>
-              <a:t> </a:t>
-            </a:r>
-            <a:r>
-              <a:rPr lang="en-US" sz="1600" dirty="0" smtClean="0">
-                <a:solidFill>
-                  <a:srgbClr val="303030"/>
-                </a:solidFill>
-                <a:latin typeface="Montserrat" panose="00000500000000000000" pitchFamily="2" charset="-52"/>
-              </a:rPr>
-              <a:t>– </a:t>
+              <a:t> – </a:t>
             </a:r>
             <a:r>
               <a:rPr lang="ru-RU" sz="1600" dirty="0" smtClean="0">
@@ -6289,12 +6259,6 @@
               </a:rPr>
               <a:t>lexical precision</a:t>
             </a:r>
-            <a:endParaRPr lang="en-US" sz="1600" dirty="0" smtClean="0">
-              <a:solidFill>
-                <a:srgbClr val="303030"/>
-              </a:solidFill>
-              <a:latin typeface="Montserrat" panose="00000500000000000000" pitchFamily="2" charset="-52"/>
-            </a:endParaRPr>
           </a:p>
           <a:p>
             <a:pPr>
@@ -6327,16 +6291,7 @@
                 </a:solidFill>
                 <a:latin typeface="Montserrat" panose="00000500000000000000" pitchFamily="2" charset="-52"/>
               </a:rPr>
-              <a:t> </a:t>
-            </a:r>
-            <a:r>
-              <a:rPr lang="en-US" sz="1600" dirty="0">
-                <a:solidFill>
-                  <a:srgbClr val="303030"/>
-                </a:solidFill>
-                <a:latin typeface="Montserrat" panose="00000500000000000000" pitchFamily="2" charset="-52"/>
-              </a:rPr>
-              <a:t>Ubuntu 20.04 </a:t>
+              <a:t> Ubuntu 20.04 </a:t>
             </a:r>
             <a:r>
               <a:rPr lang="ru-RU" sz="1600" dirty="0" smtClean="0">
@@ -6449,13 +6404,7 @@
               <a:rPr lang="ru-RU" sz="1400" dirty="0" smtClean="0">
                 <a:latin typeface="Montserrat" panose="00000500000000000000" pitchFamily="2" charset="-52"/>
               </a:rPr>
-              <a:t>10</a:t>
-            </a:r>
-            <a:r>
-              <a:rPr lang="ru-RU" sz="1400" dirty="0" smtClean="0">
-                <a:latin typeface="Montserrat" panose="00000500000000000000" pitchFamily="2" charset="-52"/>
-              </a:rPr>
-              <a:t>/</a:t>
+              <a:t>10/</a:t>
             </a:r>
             <a:r>
               <a:rPr lang="ru-RU" sz="1400" dirty="0">
@@ -6463,9 +6412,6 @@
               </a:rPr>
               <a:t>9</a:t>
             </a:r>
-            <a:endParaRPr lang="ru-RU" sz="1400" dirty="0">
-              <a:latin typeface="Montserrat" panose="00000500000000000000" pitchFamily="2" charset="-52"/>
-            </a:endParaRPr>
           </a:p>
         </p:txBody>
       </p:sp>
@@ -6760,43 +6706,7 @@
                 </a:solidFill>
                 <a:latin typeface="Montserrat" panose="00000500000000000000" pitchFamily="2" charset="-52"/>
               </a:rPr>
-              <a:t>Существует </a:t>
-            </a:r>
-            <a:r>
-              <a:rPr lang="ru-RU" sz="1800" dirty="0" smtClean="0">
-                <a:solidFill>
-                  <a:srgbClr val="303030"/>
-                </a:solidFill>
-                <a:latin typeface="Montserrat" panose="00000500000000000000" pitchFamily="2" charset="-52"/>
-              </a:rPr>
-              <a:t>множество </a:t>
-            </a:r>
-            <a:r>
-              <a:rPr lang="ru-RU" sz="1800" dirty="0" smtClean="0">
-                <a:solidFill>
-                  <a:srgbClr val="303030"/>
-                </a:solidFill>
-                <a:latin typeface="Montserrat" panose="00000500000000000000" pitchFamily="2" charset="-52"/>
-              </a:rPr>
-              <a:t>различных моделей </a:t>
-            </a:r>
-            <a:r>
-              <a:rPr lang="ru-RU" sz="1800" dirty="0" smtClean="0">
-                <a:solidFill>
-                  <a:srgbClr val="303030"/>
-                </a:solidFill>
-                <a:latin typeface="Montserrat" panose="00000500000000000000" pitchFamily="2" charset="-52"/>
-              </a:rPr>
-              <a:t>машинного обучения </a:t>
-            </a:r>
-            <a:r>
-              <a:rPr lang="ru-RU" sz="1800" dirty="0" smtClean="0">
-                <a:solidFill>
-                  <a:srgbClr val="303030"/>
-                </a:solidFill>
-                <a:latin typeface="Montserrat" panose="00000500000000000000" pitchFamily="2" charset="-52"/>
-              </a:rPr>
-              <a:t>основанных на </a:t>
+              <a:t>Существует множество различных моделей машинного обучения основанных на </a:t>
             </a:r>
             <a:r>
               <a:rPr lang="ru-RU" sz="1800" dirty="0">
@@ -6816,12 +6726,6 @@
               </a:rPr>
               <a:t>пациентов.</a:t>
             </a:r>
-            <a:endParaRPr lang="ru-RU" sz="1800" dirty="0" smtClean="0">
-              <a:solidFill>
-                <a:srgbClr val="303030"/>
-              </a:solidFill>
-              <a:latin typeface="Montserrat" panose="00000500000000000000" pitchFamily="2" charset="-52"/>
-            </a:endParaRPr>
           </a:p>
           <a:p>
             <a:pPr>
@@ -6836,23 +6740,8 @@
                 </a:solidFill>
                 <a:latin typeface="Montserrat" panose="00000500000000000000" pitchFamily="2" charset="-52"/>
               </a:rPr>
-              <a:t>Качество таких моделей сильно зависит от качества исходных </a:t>
-            </a:r>
-            <a:r>
-              <a:rPr lang="ru-RU" sz="1800" dirty="0" smtClean="0">
-                <a:solidFill>
-                  <a:srgbClr val="303030"/>
-                </a:solidFill>
-                <a:latin typeface="Montserrat" panose="00000500000000000000" pitchFamily="2" charset="-52"/>
-              </a:rPr>
-              <a:t>текстов.</a:t>
-            </a:r>
-            <a:endParaRPr lang="ru-RU" sz="1800" dirty="0" smtClean="0">
-              <a:solidFill>
-                <a:srgbClr val="303030"/>
-              </a:solidFill>
-              <a:latin typeface="Montserrat" panose="00000500000000000000" pitchFamily="2" charset="-52"/>
-            </a:endParaRPr>
+              <a:t>Качество таких моделей сильно зависит от качества исходных текстов.</a:t>
+            </a:r>
           </a:p>
           <a:p>
             <a:pPr>
@@ -6982,9 +6871,6 @@
               </a:rPr>
               <a:t>9</a:t>
             </a:r>
-            <a:endParaRPr lang="ru-RU" sz="1400" dirty="0">
-              <a:latin typeface="Montserrat" panose="00000500000000000000" pitchFamily="2" charset="-52"/>
-            </a:endParaRPr>
           </a:p>
         </p:txBody>
       </p:sp>
@@ -7530,12 +7416,6 @@
               </a:rPr>
               <a:t>данных</a:t>
             </a:r>
-            <a:endParaRPr lang="ru-RU" sz="1800" dirty="0" smtClean="0">
-              <a:solidFill>
-                <a:srgbClr val="303030"/>
-              </a:solidFill>
-              <a:latin typeface="Montserrat" panose="00000500000000000000" pitchFamily="2" charset="-52"/>
-            </a:endParaRPr>
           </a:p>
           <a:p>
             <a:r>
@@ -7556,25 +7436,7 @@
                 </a:solidFill>
                 <a:latin typeface="Montserrat" panose="00000500000000000000" pitchFamily="2" charset="-52"/>
               </a:rPr>
-              <a:t>Реализация </a:t>
-            </a:r>
-            <a:r>
-              <a:rPr lang="ru-RU" sz="1800" dirty="0" smtClean="0">
-                <a:solidFill>
-                  <a:srgbClr val="303030"/>
-                </a:solidFill>
-                <a:latin typeface="Montserrat" panose="00000500000000000000" pitchFamily="2" charset="-52"/>
-              </a:rPr>
-              <a:t>нового инструмент</a:t>
-            </a:r>
-            <a:r>
-              <a:rPr lang="ru-RU" sz="1800" dirty="0" smtClean="0">
-                <a:solidFill>
-                  <a:srgbClr val="303030"/>
-                </a:solidFill>
-                <a:latin typeface="Montserrat" panose="00000500000000000000" pitchFamily="2" charset="-52"/>
-              </a:rPr>
-              <a:t>а</a:t>
+              <a:t>Реализация нового инструмента</a:t>
             </a:r>
             <a:endParaRPr lang="en-US" sz="1800" dirty="0" smtClean="0"/>
           </a:p>
@@ -7620,9 +7482,6 @@
               </a:rPr>
               <a:t>9</a:t>
             </a:r>
-            <a:endParaRPr lang="ru-RU" sz="1400" dirty="0">
-              <a:latin typeface="Montserrat" panose="00000500000000000000" pitchFamily="2" charset="-52"/>
-            </a:endParaRPr>
           </a:p>
         </p:txBody>
       </p:sp>
@@ -7871,13 +7730,7 @@
               <a:rPr lang="ru-RU" sz="1400" dirty="0" smtClean="0">
                 <a:latin typeface="Montserrat" panose="00000500000000000000" pitchFamily="2" charset="-52"/>
               </a:rPr>
-              <a:t>5</a:t>
-            </a:r>
-            <a:r>
-              <a:rPr lang="ru-RU" sz="1400" dirty="0" smtClean="0">
-                <a:latin typeface="Montserrat" panose="00000500000000000000" pitchFamily="2" charset="-52"/>
-              </a:rPr>
-              <a:t>/</a:t>
+              <a:t>5/</a:t>
             </a:r>
             <a:r>
               <a:rPr lang="ru-RU" sz="1400" dirty="0">
@@ -7885,14 +7738,11 @@
               </a:rPr>
               <a:t>9</a:t>
             </a:r>
-            <a:endParaRPr lang="ru-RU" sz="1400" dirty="0">
-              <a:latin typeface="Montserrat" panose="00000500000000000000" pitchFamily="2" charset="-52"/>
-            </a:endParaRPr>
           </a:p>
         </p:txBody>
       </p:sp>
-      <mc:AlternateContent xmlns:mc="http://schemas.openxmlformats.org/markup-compatibility/2006">
-        <mc:Choice xmlns:a14="http://schemas.microsoft.com/office/drawing/2010/main" Requires="a14">
+      <mc:AlternateContent xmlns:mc="http://schemas.openxmlformats.org/markup-compatibility/2006" xmlns:a14="http://schemas.microsoft.com/office/drawing/2010/main">
+        <mc:Choice Requires="a14">
           <p:sp>
             <p:nvSpPr>
               <p:cNvPr id="8" name="Объект 2"/>
@@ -8093,16 +7943,7 @@
                     </a:solidFill>
                     <a:latin typeface="Montserrat" panose="00000500000000000000" pitchFamily="2" charset="-52"/>
                   </a:rPr>
-                  <a:t>К</a:t>
-                </a:r>
-                <a:r>
-                  <a:rPr lang="ru-RU" sz="1800" dirty="0" smtClean="0">
-                    <a:solidFill>
-                      <a:srgbClr val="303030"/>
-                    </a:solidFill>
-                    <a:latin typeface="Montserrat" panose="00000500000000000000" pitchFamily="2" charset="-52"/>
-                  </a:rPr>
-                  <a:t>орпус из 2356 анамнезов пациентов медицинского центра им. </a:t>
+                  <a:t>Корпус из 2356 анамнезов пациентов медицинского центра им. </a:t>
                 </a:r>
                 <a:r>
                   <a:rPr lang="ru-RU" sz="1800" dirty="0" err="1" smtClean="0">
@@ -8151,25 +7992,7 @@
                     </a:solidFill>
                     <a:latin typeface="Montserrat" panose="00000500000000000000" pitchFamily="2" charset="-52"/>
                   </a:rPr>
-                  <a:t>, </a:t>
-                </a:r>
-                <a:r>
-                  <a:rPr lang="ru-RU" sz="1800" dirty="0" smtClean="0">
-                    <a:solidFill>
-                      <a:srgbClr val="303030"/>
-                    </a:solidFill>
-                    <a:latin typeface="Montserrat" panose="00000500000000000000" pitchFamily="2" charset="-52"/>
-                  </a:rPr>
-                  <a:t>отфильтрованы </a:t>
-                </a:r>
-                <a:r>
-                  <a:rPr lang="ru-RU" sz="1800" dirty="0" smtClean="0">
-                    <a:solidFill>
-                      <a:srgbClr val="303030"/>
-                    </a:solidFill>
-                    <a:latin typeface="Montserrat" panose="00000500000000000000" pitchFamily="2" charset="-52"/>
-                  </a:rPr>
-                  <a:t>и </a:t>
+                  <a:t>, отфильтрованы и </a:t>
                 </a:r>
                 <a:r>
                   <a:rPr lang="ru-RU" sz="1800" dirty="0" err="1" smtClean="0">
@@ -8221,16 +8044,7 @@
                     </a:solidFill>
                     <a:latin typeface="Montserrat" panose="00000500000000000000" pitchFamily="2" charset="-52"/>
                   </a:rPr>
-                  <a:t> - 99 </a:t>
-                </a:r>
-                <a:r>
-                  <a:rPr lang="ru-RU" sz="1800" dirty="0" smtClean="0">
-                    <a:solidFill>
-                      <a:srgbClr val="303030"/>
-                    </a:solidFill>
-                    <a:latin typeface="Montserrat" panose="00000500000000000000" pitchFamily="2" charset="-52"/>
-                  </a:rPr>
-                  <a:t>перцентиль количества отфильтрованных </a:t>
+                  <a:t> - 99 перцентиль количества отфильтрованных </a:t>
                 </a:r>
                 <a:r>
                   <a:rPr lang="ru-RU" sz="1800" dirty="0" err="1" smtClean="0">
@@ -8333,7 +8147,7 @@
             </p:txBody>
           </p:sp>
         </mc:Choice>
-        <mc:Fallback>
+        <mc:Fallback xmlns="">
           <p:sp>
             <p:nvSpPr>
               <p:cNvPr id="8" name="Объект 2"/>
@@ -9532,13 +9346,7 @@
               <a:rPr lang="ru-RU" sz="1400" dirty="0" smtClean="0">
                 <a:latin typeface="Montserrat" panose="00000500000000000000" pitchFamily="2" charset="-52"/>
               </a:rPr>
-              <a:t>6</a:t>
-            </a:r>
-            <a:r>
-              <a:rPr lang="ru-RU" sz="1400" dirty="0" smtClean="0">
-                <a:latin typeface="Montserrat" panose="00000500000000000000" pitchFamily="2" charset="-52"/>
-              </a:rPr>
-              <a:t>/</a:t>
+              <a:t>6/</a:t>
             </a:r>
             <a:r>
               <a:rPr lang="ru-RU" sz="1400" dirty="0">
@@ -9546,9 +9354,6 @@
               </a:rPr>
               <a:t>9</a:t>
             </a:r>
-            <a:endParaRPr lang="ru-RU" sz="1400" dirty="0">
-              <a:latin typeface="Montserrat" panose="00000500000000000000" pitchFamily="2" charset="-52"/>
-            </a:endParaRPr>
           </a:p>
         </p:txBody>
       </p:sp>
@@ -9655,13 +9460,7 @@
               <a:rPr lang="ru-RU" sz="1400" dirty="0" smtClean="0">
                 <a:latin typeface="Montserrat" panose="00000500000000000000" pitchFamily="2" charset="-52"/>
               </a:rPr>
-              <a:t>7</a:t>
-            </a:r>
-            <a:r>
-              <a:rPr lang="ru-RU" sz="1400" dirty="0" smtClean="0">
-                <a:latin typeface="Montserrat" panose="00000500000000000000" pitchFamily="2" charset="-52"/>
-              </a:rPr>
-              <a:t>/</a:t>
+              <a:t>7/</a:t>
             </a:r>
             <a:r>
               <a:rPr lang="ru-RU" sz="1400" dirty="0">
@@ -9669,9 +9468,6 @@
               </a:rPr>
               <a:t>9</a:t>
             </a:r>
-            <a:endParaRPr lang="ru-RU" sz="1400" dirty="0">
-              <a:latin typeface="Montserrat" panose="00000500000000000000" pitchFamily="2" charset="-52"/>
-            </a:endParaRPr>
           </a:p>
         </p:txBody>
       </p:sp>
@@ -10205,13 +10001,7 @@
               <a:rPr lang="ru-RU" sz="1400" dirty="0" smtClean="0">
                 <a:latin typeface="Montserrat" panose="00000500000000000000" pitchFamily="2" charset="-52"/>
               </a:rPr>
-              <a:t>8</a:t>
-            </a:r>
-            <a:r>
-              <a:rPr lang="ru-RU" sz="1400" dirty="0" smtClean="0">
-                <a:latin typeface="Montserrat" panose="00000500000000000000" pitchFamily="2" charset="-52"/>
-              </a:rPr>
-              <a:t>/</a:t>
+              <a:t>8/</a:t>
             </a:r>
             <a:r>
               <a:rPr lang="ru-RU" sz="1400" dirty="0">
@@ -10219,9 +10009,6 @@
               </a:rPr>
               <a:t>9</a:t>
             </a:r>
-            <a:endParaRPr lang="ru-RU" sz="1400" dirty="0">
-              <a:latin typeface="Montserrat" panose="00000500000000000000" pitchFamily="2" charset="-52"/>
-            </a:endParaRPr>
           </a:p>
         </p:txBody>
       </p:sp>
